--- a/spec/data/dest_template.pptx
+++ b/spec/data/dest_template.pptx
@@ -1088,6 +1088,100 @@
             <p:ph type="body" idx="1"/>
           </p:nvPr>
         </p:nvSpPr>
+        <p:spPr/>
+        <p:txBody>
+          <a:bodyPr/>
+          <a:lstStyle/>
+          <a:p>
+            <a:r>
+              <a:rPr lang="en-US" dirty="0" smtClean="0"/>
+              <a:t>NOTE1</a:t>
+            </a:r>
+            <a:endParaRPr lang="en-US" dirty="0"/>
+          </a:p>
+        </p:txBody>
+      </p:sp>
+      <p:sp>
+        <p:nvSpPr>
+          <p:cNvPr id="4" name="Slide Number Placeholder 3"/>
+          <p:cNvSpPr>
+            <a:spLocks noGrp="1"/>
+          </p:cNvSpPr>
+          <p:nvPr>
+            <p:ph type="sldNum" sz="quarter" idx="10"/>
+          </p:nvPr>
+        </p:nvSpPr>
+        <p:spPr/>
+        <p:txBody>
+          <a:bodyPr/>
+          <a:lstStyle/>
+          <a:p>
+            <a:pPr>
+              <a:defRPr/>
+            </a:pPr>
+            <a:fld id="{3C3A632B-FBDE-46D4-BF6F-6D14421E6342}" type="slidenum">
+              <a:rPr lang="en-US" smtClean="0"/>
+              <a:pPr>
+                <a:defRPr/>
+              </a:pPr>
+              <a:t>2</a:t>
+            </a:fld>
+            <a:endParaRPr lang="en-US" dirty="0"/>
+          </a:p>
+        </p:txBody>
+      </p:sp>
+    </p:spTree>
+    <p:extLst>
+      <p:ext uri="{BB962C8B-B14F-4D97-AF65-F5344CB8AC3E}">
+        <p14:creationId xmlns:p14="http://schemas.microsoft.com/office/powerpoint/2010/main" val="665932356"/>
+      </p:ext>
+    </p:extLst>
+  </p:cSld>
+  <p:clrMapOvr>
+    <a:masterClrMapping/>
+  </p:clrMapOvr>
+</p:notes>
+</file>
+
+<file path=ppt/notesSlides/notesSlide4.xml><?xml version="1.0" encoding="utf-8"?>
+<p:notes xmlns:a="http://schemas.openxmlformats.org/drawingml/2006/main" xmlns:r="http://schemas.openxmlformats.org/officeDocument/2006/relationships" xmlns:p="http://schemas.openxmlformats.org/presentationml/2006/main">
+  <p:cSld>
+    <p:spTree>
+      <p:nvGrpSpPr>
+        <p:cNvPr id="1" name=""/>
+        <p:cNvGrpSpPr/>
+        <p:nvPr/>
+      </p:nvGrpSpPr>
+      <p:grpSpPr>
+        <a:xfrm>
+          <a:off x="0" y="0"/>
+          <a:ext cx="0" cy="0"/>
+          <a:chOff x="0" y="0"/>
+          <a:chExt cx="0" cy="0"/>
+        </a:xfrm>
+      </p:grpSpPr>
+      <p:sp>
+        <p:nvSpPr>
+          <p:cNvPr id="2" name="Slide Image Placeholder 1"/>
+          <p:cNvSpPr>
+            <a:spLocks noGrp="1" noRot="1" noChangeAspect="1"/>
+          </p:cNvSpPr>
+          <p:nvPr>
+            <p:ph type="sldImg"/>
+          </p:nvPr>
+        </p:nvSpPr>
+        <p:spPr/>
+      </p:sp>
+      <p:sp>
+        <p:nvSpPr>
+          <p:cNvPr id="3" name="Notes Placeholder 2"/>
+          <p:cNvSpPr>
+            <a:spLocks noGrp="1"/>
+          </p:cNvSpPr>
+          <p:nvPr>
+            <p:ph type="body" idx="1"/>
+          </p:nvPr>
+        </p:nvSpPr>
         <p:spPr>
           <a:xfrm>
             <a:off x="546100" y="5322888"/>
@@ -1144,7 +1238,7 @@
 </p:notes>
 </file>
 
-<file path=ppt/notesSlides/notesSlide4.xml><?xml version="1.0" encoding="utf-8"?>
+<file path=ppt/notesSlides/notesSlide5.xml><?xml version="1.0" encoding="utf-8"?>
 <p:notes xmlns:a="http://schemas.openxmlformats.org/drawingml/2006/main" xmlns:r="http://schemas.openxmlformats.org/officeDocument/2006/relationships" xmlns:p="http://schemas.openxmlformats.org/presentationml/2006/main">
   <p:cSld>
     <p:spTree>
@@ -1239,7 +1333,119 @@
 </p:notes>
 </file>
 
-<file path=ppt/notesSlides/notesSlide5.xml><?xml version="1.0" encoding="utf-8"?>
+<file path=ppt/notesSlides/notesSlide6.xml><?xml version="1.0" encoding="utf-8"?>
+<p:notes xmlns:a="http://schemas.openxmlformats.org/drawingml/2006/main" xmlns:r="http://schemas.openxmlformats.org/officeDocument/2006/relationships" xmlns:p="http://schemas.openxmlformats.org/presentationml/2006/main">
+  <p:cSld>
+    <p:spTree>
+      <p:nvGrpSpPr>
+        <p:cNvPr id="1" name=""/>
+        <p:cNvGrpSpPr/>
+        <p:nvPr/>
+      </p:nvGrpSpPr>
+      <p:grpSpPr>
+        <a:xfrm>
+          <a:off x="0" y="0"/>
+          <a:ext cx="0" cy="0"/>
+          <a:chOff x="0" y="0"/>
+          <a:chExt cx="0" cy="0"/>
+        </a:xfrm>
+      </p:grpSpPr>
+      <p:sp>
+        <p:nvSpPr>
+          <p:cNvPr id="2" name="Slide Image Placeholder 1"/>
+          <p:cNvSpPr>
+            <a:spLocks noGrp="1" noRot="1" noChangeAspect="1"/>
+          </p:cNvSpPr>
+          <p:nvPr>
+            <p:ph type="sldImg"/>
+          </p:nvPr>
+        </p:nvSpPr>
+        <p:spPr/>
+      </p:sp>
+      <p:sp>
+        <p:nvSpPr>
+          <p:cNvPr id="3" name="Notes Placeholder 2"/>
+          <p:cNvSpPr>
+            <a:spLocks noGrp="1"/>
+          </p:cNvSpPr>
+          <p:nvPr>
+            <p:ph type="body" idx="1"/>
+          </p:nvPr>
+        </p:nvSpPr>
+        <p:spPr/>
+        <p:txBody>
+          <a:bodyPr/>
+          <a:lstStyle/>
+          <a:p>
+            <a:pPr marL="0" marR="0" indent="0" algn="l" defTabSz="895350" rtl="0" eaLnBrk="0" fontAlgn="base" latinLnBrk="0" hangingPunct="0">
+              <a:lnSpc>
+                <a:spcPct val="100000"/>
+              </a:lnSpc>
+              <a:spcBef>
+                <a:spcPct val="0"/>
+              </a:spcBef>
+              <a:spcAft>
+                <a:spcPct val="0"/>
+              </a:spcAft>
+              <a:buClr>
+                <a:schemeClr val="tx2"/>
+              </a:buClr>
+              <a:buSzTx/>
+              <a:buFontTx/>
+              <a:buNone/>
+              <a:tabLst/>
+              <a:defRPr/>
+            </a:pPr>
+            <a:r>
+              <a:rPr lang="en-US" dirty="0" smtClean="0"/>
+              <a:t>NOTE2</a:t>
+            </a:r>
+          </a:p>
+        </p:txBody>
+      </p:sp>
+      <p:sp>
+        <p:nvSpPr>
+          <p:cNvPr id="4" name="Slide Number Placeholder 3"/>
+          <p:cNvSpPr>
+            <a:spLocks noGrp="1"/>
+          </p:cNvSpPr>
+          <p:nvPr>
+            <p:ph type="sldNum" sz="quarter" idx="10"/>
+          </p:nvPr>
+        </p:nvSpPr>
+        <p:spPr/>
+        <p:txBody>
+          <a:bodyPr/>
+          <a:lstStyle/>
+          <a:p>
+            <a:pPr>
+              <a:defRPr/>
+            </a:pPr>
+            <a:fld id="{3C3A632B-FBDE-46D4-BF6F-6D14421E6342}" type="slidenum">
+              <a:rPr lang="en-US" smtClean="0"/>
+              <a:pPr>
+                <a:defRPr/>
+              </a:pPr>
+              <a:t>5</a:t>
+            </a:fld>
+            <a:endParaRPr lang="en-US" dirty="0"/>
+          </a:p>
+        </p:txBody>
+      </p:sp>
+    </p:spTree>
+    <p:extLst>
+      <p:ext uri="{BB962C8B-B14F-4D97-AF65-F5344CB8AC3E}">
+        <p14:creationId xmlns:p14="http://schemas.microsoft.com/office/powerpoint/2010/main" val="1304509386"/>
+      </p:ext>
+    </p:extLst>
+  </p:cSld>
+  <p:clrMapOvr>
+    <a:masterClrMapping/>
+  </p:clrMapOvr>
+</p:notes>
+</file>
+
+<file path=ppt/notesSlides/notesSlide7.xml><?xml version="1.0" encoding="utf-8"?>
 <p:notes xmlns:a="http://schemas.openxmlformats.org/drawingml/2006/main" xmlns:r="http://schemas.openxmlformats.org/officeDocument/2006/relationships" xmlns:p="http://schemas.openxmlformats.org/presentationml/2006/main">
   <p:cSld>
     <p:spTree>
@@ -3049,7 +3255,7 @@
           <a:graphicData uri="http://schemas.openxmlformats.org/presentationml/2006/ole">
             <mc:AlternateContent xmlns:mc="http://schemas.openxmlformats.org/markup-compatibility/2006">
               <mc:Choice xmlns:v="urn:schemas-microsoft-com:vml" Requires="v">
-                <p:oleObj spid="_x0000_s12334" name="think-cell Slide" r:id="rId8" imgW="270" imgH="270" progId="TCLayout.ActiveDocument.1">
+                <p:oleObj spid="_x0000_s12340" name="think-cell Slide" r:id="rId8" imgW="270" imgH="270" progId="TCLayout.ActiveDocument.1">
                   <p:embed/>
                 </p:oleObj>
               </mc:Choice>
@@ -5595,7 +5801,7 @@
           <a:graphicData uri="http://schemas.openxmlformats.org/presentationml/2006/ole">
             <mc:AlternateContent xmlns:mc="http://schemas.openxmlformats.org/markup-compatibility/2006">
               <mc:Choice xmlns:v="urn:schemas-microsoft-com:vml" Requires="v">
-                <p:oleObj spid="_x0000_s13349" name="think-cell Slide" r:id="rId5" imgW="270" imgH="270" progId="TCLayout.ActiveDocument.1">
+                <p:oleObj spid="_x0000_s13355" name="think-cell Slide" r:id="rId5" imgW="270" imgH="270" progId="TCLayout.ActiveDocument.1">
                   <p:embed/>
                 </p:oleObj>
               </mc:Choice>
@@ -5975,7 +6181,6 @@
               <a:rPr lang="en-US" dirty="0" smtClean="0"/>
               <a:t> – Slide2</a:t>
             </a:r>
-            <a:endParaRPr lang="en-US" dirty="0" smtClean="0"/>
           </a:p>
         </p:txBody>
       </p:sp>
@@ -6145,7 +6350,7 @@
           <a:graphicData uri="http://schemas.openxmlformats.org/presentationml/2006/ole">
             <mc:AlternateContent xmlns:mc="http://schemas.openxmlformats.org/markup-compatibility/2006">
               <mc:Choice xmlns:v="urn:schemas-microsoft-com:vml" Requires="v">
-                <p:oleObj spid="_x0000_s14366" name="think-cell Slide" r:id="rId12" imgW="500" imgH="417" progId="TCLayout.ActiveDocument.1">
+                <p:oleObj spid="_x0000_s14372" name="think-cell Slide" r:id="rId12" imgW="500" imgH="417" progId="TCLayout.ActiveDocument.1">
                   <p:embed/>
                 </p:oleObj>
               </mc:Choice>
@@ -8019,7 +8224,7 @@
           <a:graphicData uri="http://schemas.openxmlformats.org/presentationml/2006/ole">
             <mc:AlternateContent xmlns:mc="http://schemas.openxmlformats.org/markup-compatibility/2006">
               <mc:Choice xmlns:v="urn:schemas-microsoft-com:vml" Requires="v">
-                <p:oleObj spid="_x0000_s15390" name="think-cell Slide" r:id="rId12" imgW="500" imgH="417" progId="TCLayout.ActiveDocument.1">
+                <p:oleObj spid="_x0000_s15396" name="think-cell Slide" r:id="rId12" imgW="500" imgH="417" progId="TCLayout.ActiveDocument.1">
                   <p:embed/>
                 </p:oleObj>
               </mc:Choice>
@@ -10006,7 +10211,7 @@
           <a:graphicData uri="http://schemas.openxmlformats.org/presentationml/2006/ole">
             <mc:AlternateContent xmlns:mc="http://schemas.openxmlformats.org/markup-compatibility/2006">
               <mc:Choice xmlns:v="urn:schemas-microsoft-com:vml" Requires="v">
-                <p:oleObj spid="_x0000_s16400" name="think-cell Slide" r:id="rId12" imgW="500" imgH="417" progId="TCLayout.ActiveDocument.1">
+                <p:oleObj spid="_x0000_s16406" name="think-cell Slide" r:id="rId12" imgW="500" imgH="417" progId="TCLayout.ActiveDocument.1">
                   <p:embed/>
                 </p:oleObj>
               </mc:Choice>

--- a/spec/data/dest_template.pptx
+++ b/spec/data/dest_template.pptx
@@ -3255,7 +3255,7 @@
           <a:graphicData uri="http://schemas.openxmlformats.org/presentationml/2006/ole">
             <mc:AlternateContent xmlns:mc="http://schemas.openxmlformats.org/markup-compatibility/2006">
               <mc:Choice xmlns:v="urn:schemas-microsoft-com:vml" Requires="v">
-                <p:oleObj spid="_x0000_s12340" name="think-cell Slide" r:id="rId8" imgW="270" imgH="270" progId="TCLayout.ActiveDocument.1">
+                <p:oleObj spid="_x0000_s12347" name="think-cell Slide" r:id="rId8" imgW="270" imgH="270" progId="TCLayout.ActiveDocument.1">
                   <p:embed/>
                 </p:oleObj>
               </mc:Choice>
@@ -5801,7 +5801,7 @@
           <a:graphicData uri="http://schemas.openxmlformats.org/presentationml/2006/ole">
             <mc:AlternateContent xmlns:mc="http://schemas.openxmlformats.org/markup-compatibility/2006">
               <mc:Choice xmlns:v="urn:schemas-microsoft-com:vml" Requires="v">
-                <p:oleObj spid="_x0000_s13355" name="think-cell Slide" r:id="rId5" imgW="270" imgH="270" progId="TCLayout.ActiveDocument.1">
+                <p:oleObj spid="_x0000_s13362" name="think-cell Slide" r:id="rId5" imgW="270" imgH="270" progId="TCLayout.ActiveDocument.1">
                   <p:embed/>
                 </p:oleObj>
               </mc:Choice>
@@ -6175,11 +6175,15 @@
             <a:pPr eaLnBrk="1" hangingPunct="1"/>
             <a:r>
               <a:rPr lang="en-US" dirty="0" err="1" smtClean="0"/>
-              <a:t>Dewst_template</a:t>
+              <a:t>Dest_template</a:t>
             </a:r>
             <a:r>
               <a:rPr lang="en-US" dirty="0" smtClean="0"/>
-              <a:t> – Slide2</a:t>
+              <a:t> </a:t>
+            </a:r>
+            <a:r>
+              <a:rPr lang="en-US" dirty="0" smtClean="0"/>
+              <a:t>– Slide2</a:t>
             </a:r>
           </a:p>
         </p:txBody>
@@ -6350,7 +6354,7 @@
           <a:graphicData uri="http://schemas.openxmlformats.org/presentationml/2006/ole">
             <mc:AlternateContent xmlns:mc="http://schemas.openxmlformats.org/markup-compatibility/2006">
               <mc:Choice xmlns:v="urn:schemas-microsoft-com:vml" Requires="v">
-                <p:oleObj spid="_x0000_s14372" name="think-cell Slide" r:id="rId12" imgW="500" imgH="417" progId="TCLayout.ActiveDocument.1">
+                <p:oleObj spid="_x0000_s14379" name="think-cell Slide" r:id="rId12" imgW="500" imgH="417" progId="TCLayout.ActiveDocument.1">
                   <p:embed/>
                 </p:oleObj>
               </mc:Choice>
@@ -6557,16 +6561,20 @@
           <a:lstStyle/>
           <a:p>
             <a:r>
-              <a:rPr lang="en-US" dirty="0" err="1"/>
-              <a:t>Dewst_template</a:t>
+              <a:rPr lang="en-US" dirty="0" err="1" smtClean="0"/>
+              <a:t>Dest_template</a:t>
+            </a:r>
+            <a:r>
+              <a:rPr lang="en-US" dirty="0" smtClean="0"/>
+              <a:t> </a:t>
             </a:r>
             <a:r>
               <a:rPr lang="en-US" dirty="0"/>
-              <a:t> – </a:t>
+              <a:t>– </a:t>
             </a:r>
             <a:r>
               <a:rPr lang="en-US" dirty="0" smtClean="0"/>
-              <a:t>Slide2</a:t>
+              <a:t>Slide3</a:t>
             </a:r>
             <a:endParaRPr lang="en-US" dirty="0"/>
           </a:p>
@@ -8224,7 +8232,7 @@
           <a:graphicData uri="http://schemas.openxmlformats.org/presentationml/2006/ole">
             <mc:AlternateContent xmlns:mc="http://schemas.openxmlformats.org/markup-compatibility/2006">
               <mc:Choice xmlns:v="urn:schemas-microsoft-com:vml" Requires="v">
-                <p:oleObj spid="_x0000_s15396" name="think-cell Slide" r:id="rId12" imgW="500" imgH="417" progId="TCLayout.ActiveDocument.1">
+                <p:oleObj spid="_x0000_s15403" name="think-cell Slide" r:id="rId12" imgW="500" imgH="417" progId="TCLayout.ActiveDocument.1">
                   <p:embed/>
                 </p:oleObj>
               </mc:Choice>
@@ -8431,16 +8439,20 @@
           <a:lstStyle/>
           <a:p>
             <a:r>
-              <a:rPr lang="en-US" dirty="0" err="1"/>
-              <a:t>Dewst_template</a:t>
+              <a:rPr lang="en-US" dirty="0" err="1" smtClean="0"/>
+              <a:t>Dest_template</a:t>
+            </a:r>
+            <a:r>
+              <a:rPr lang="en-US" dirty="0" smtClean="0"/>
+              <a:t> </a:t>
             </a:r>
             <a:r>
               <a:rPr lang="en-US" dirty="0"/>
-              <a:t> – </a:t>
+              <a:t>– </a:t>
             </a:r>
             <a:r>
               <a:rPr lang="en-US" dirty="0" smtClean="0"/>
-              <a:t>Slide3</a:t>
+              <a:t>Slide4</a:t>
             </a:r>
             <a:endParaRPr lang="en-US" dirty="0"/>
           </a:p>
@@ -10211,7 +10223,7 @@
           <a:graphicData uri="http://schemas.openxmlformats.org/presentationml/2006/ole">
             <mc:AlternateContent xmlns:mc="http://schemas.openxmlformats.org/markup-compatibility/2006">
               <mc:Choice xmlns:v="urn:schemas-microsoft-com:vml" Requires="v">
-                <p:oleObj spid="_x0000_s16406" name="think-cell Slide" r:id="rId12" imgW="500" imgH="417" progId="TCLayout.ActiveDocument.1">
+                <p:oleObj spid="_x0000_s16413" name="think-cell Slide" r:id="rId12" imgW="500" imgH="417" progId="TCLayout.ActiveDocument.1">
                   <p:embed/>
                 </p:oleObj>
               </mc:Choice>
@@ -10418,16 +10430,20 @@
           <a:lstStyle/>
           <a:p>
             <a:r>
-              <a:rPr lang="en-US" dirty="0" err="1"/>
-              <a:t>Dewst_template</a:t>
-            </a:r>
-            <a:r>
-              <a:rPr lang="en-US" dirty="0"/>
-              <a:t> – </a:t>
+              <a:rPr lang="en-US" dirty="0" err="1" smtClean="0"/>
+              <a:t>Dest_template</a:t>
             </a:r>
             <a:r>
               <a:rPr lang="en-US" dirty="0" smtClean="0"/>
-              <a:t>Slide4</a:t>
+              <a:t> </a:t>
+            </a:r>
+            <a:r>
+              <a:rPr lang="en-US"/>
+              <a:t>– </a:t>
+            </a:r>
+            <a:r>
+              <a:rPr lang="en-US" smtClean="0"/>
+              <a:t>Slide5</a:t>
             </a:r>
             <a:endParaRPr lang="en-US" dirty="0"/>
           </a:p>

--- a/spec/data/dest_template.pptx
+++ b/spec/data/dest_template.pptx
@@ -2802,146 +2802,6 @@
           </p:txBody>
         </p:sp>
       </p:grpSp>
-      <p:grpSp>
-        <p:nvGrpSpPr>
-          <p:cNvPr id="15" name="TitleBottomBar"/>
-          <p:cNvGrpSpPr>
-            <a:grpSpLocks/>
-          </p:cNvGrpSpPr>
-          <p:nvPr/>
-        </p:nvGrpSpPr>
-        <p:grpSpPr bwMode="auto">
-          <a:xfrm>
-            <a:off x="2192338" y="6305550"/>
-            <a:ext cx="6767512" cy="420688"/>
-            <a:chOff x="1382" y="3969"/>
-            <a:chExt cx="4263" cy="265"/>
-          </a:xfrm>
-        </p:grpSpPr>
-        <p:sp>
-          <p:nvSpPr>
-            <p:cNvPr id="16" name="Rectangle 1134"/>
-            <p:cNvSpPr>
-              <a:spLocks noChangeArrowheads="1"/>
-            </p:cNvSpPr>
-            <p:nvPr>
-              <p:custDataLst>
-                <p:tags r:id="rId1"/>
-              </p:custDataLst>
-            </p:nvPr>
-          </p:nvSpPr>
-          <p:spPr bwMode="gray">
-            <a:xfrm>
-              <a:off x="1382" y="3969"/>
-              <a:ext cx="4263" cy="265"/>
-            </a:xfrm>
-            <a:prstGeom prst="rect">
-              <a:avLst/>
-            </a:prstGeom>
-            <a:solidFill>
-              <a:srgbClr val="002960"/>
-            </a:solidFill>
-            <a:ln>
-              <a:noFill/>
-            </a:ln>
-            <a:effectLst/>
-            <a:extLst>
-              <a:ext uri="{91240B29-F687-4f45-9708-019B960494DF}">
-                <a14:hiddenLine xmlns:a14="http://schemas.microsoft.com/office/drawing/2010/main" w="9525">
-                  <a:solidFill>
-                    <a:schemeClr val="tx1"/>
-                  </a:solidFill>
-                  <a:miter lim="800000"/>
-                  <a:headEnd/>
-                  <a:tailEnd/>
-                </a14:hiddenLine>
-              </a:ext>
-              <a:ext uri="{AF507438-7753-43e0-B8FC-AC1667EBCBE1}">
-                <a14:hiddenEffects xmlns:a14="http://schemas.microsoft.com/office/drawing/2010/main">
-                  <a:effectLst>
-                    <a:outerShdw dist="35921" dir="2700000" algn="ctr" rotWithShape="0">
-                      <a:schemeClr val="bg2"/>
-                    </a:outerShdw>
-                  </a:effectLst>
-                </a14:hiddenEffects>
-              </a:ext>
-            </a:extLst>
-          </p:spPr>
-          <p:txBody>
-            <a:bodyPr wrap="none" anchor="ctr"/>
-            <a:lstStyle/>
-            <a:p>
-              <a:endParaRPr lang="en-US" baseline="0" noProof="0" dirty="0">
-                <a:latin typeface="+mn-lt"/>
-              </a:endParaRPr>
-            </a:p>
-          </p:txBody>
-        </p:sp>
-        <p:pic>
-          <p:nvPicPr>
-            <p:cNvPr id="17" name="Picture 1192"/>
-            <p:cNvPicPr>
-              <a:picLocks noChangeAspect="1" noChangeArrowheads="1"/>
-            </p:cNvPicPr>
-            <p:nvPr/>
-          </p:nvPicPr>
-          <p:blipFill>
-            <a:blip r:embed="rId3" cstate="print">
-              <a:extLst>
-                <a:ext uri="{28A0092B-C50C-407E-A947-70E740481C1C}">
-                  <a14:useLocalDpi xmlns:a14="http://schemas.microsoft.com/office/drawing/2010/main" val="0"/>
-                </a:ext>
-              </a:extLst>
-            </a:blip>
-            <a:srcRect/>
-            <a:stretch>
-              <a:fillRect/>
-            </a:stretch>
-          </p:blipFill>
-          <p:spPr bwMode="auto">
-            <a:xfrm>
-              <a:off x="4519" y="4059"/>
-              <a:ext cx="1023" cy="113"/>
-            </a:xfrm>
-            <a:prstGeom prst="rect">
-              <a:avLst/>
-            </a:prstGeom>
-            <a:noFill/>
-            <a:ln>
-              <a:noFill/>
-            </a:ln>
-            <a:effectLst/>
-            <a:extLst>
-              <a:ext uri="{909E8E84-426E-40dd-AFC4-6F175D3DCCD1}">
-                <a14:hiddenFill xmlns:a14="http://schemas.microsoft.com/office/drawing/2010/main">
-                  <a:solidFill>
-                    <a:schemeClr val="accent1"/>
-                  </a:solidFill>
-                </a14:hiddenFill>
-              </a:ext>
-              <a:ext uri="{91240B29-F687-4f45-9708-019B960494DF}">
-                <a14:hiddenLine xmlns:a14="http://schemas.microsoft.com/office/drawing/2010/main" w="9525">
-                  <a:solidFill>
-                    <a:schemeClr val="tx1"/>
-                  </a:solidFill>
-                  <a:miter lim="800000"/>
-                  <a:headEnd/>
-                  <a:tailEnd/>
-                </a14:hiddenLine>
-              </a:ext>
-              <a:ext uri="{AF507438-7753-43e0-B8FC-AC1667EBCBE1}">
-                <a14:hiddenEffects xmlns:a14="http://schemas.microsoft.com/office/drawing/2010/main">
-                  <a:effectLst>
-                    <a:outerShdw dist="35921" dir="2700000" algn="ctr" rotWithShape="0">
-                      <a:schemeClr val="bg2"/>
-                    </a:outerShdw>
-                  </a:effectLst>
-                </a14:hiddenEffects>
-              </a:ext>
-            </a:extLst>
-          </p:spPr>
-        </p:pic>
-      </p:grpSp>
       <p:pic>
         <p:nvPicPr>
           <p:cNvPr id="18" name="TitleBottomBarBW" hidden="1"/>
@@ -2951,7 +2811,7 @@
           <p:nvPr/>
         </p:nvPicPr>
         <p:blipFill>
-          <a:blip r:embed="rId4" cstate="print">
+          <a:blip r:embed="rId2" cstate="print">
             <a:extLst>
               <a:ext uri="{28A0092B-C50C-407E-A947-70E740481C1C}">
                 <a14:useLocalDpi xmlns:a14="http://schemas.microsoft.com/office/drawing/2010/main" val="0"/>
@@ -3255,7 +3115,7 @@
           <a:graphicData uri="http://schemas.openxmlformats.org/presentationml/2006/ole">
             <mc:AlternateContent xmlns:mc="http://schemas.openxmlformats.org/markup-compatibility/2006">
               <mc:Choice xmlns:v="urn:schemas-microsoft-com:vml" Requires="v">
-                <p:oleObj spid="_x0000_s12347" name="think-cell Slide" r:id="rId8" imgW="270" imgH="270" progId="TCLayout.ActiveDocument.1">
+                <p:oleObj spid="_x0000_s12352" name="think-cell Slide" r:id="rId8" imgW="270" imgH="270" progId="TCLayout.ActiveDocument.1">
                   <p:embed/>
                 </p:oleObj>
               </mc:Choice>
@@ -4562,8 +4422,8 @@
         </p:nvSpPr>
         <p:spPr bwMode="auto">
           <a:xfrm>
-            <a:off x="7088188" y="6435725"/>
-            <a:ext cx="1244600" cy="152400"/>
+            <a:off x="7520141" y="6434981"/>
+            <a:ext cx="812647" cy="153888"/>
           </a:xfrm>
           <a:prstGeom prst="rect">
             <a:avLst/>
@@ -4610,12 +4470,16 @@
           <a:p>
             <a:pPr algn="r" defTabSz="895350"/>
             <a:r>
-              <a:rPr lang="en-US" sz="1000" baseline="0" noProof="0" dirty="0">
+              <a:rPr lang="en-US" sz="1000" baseline="0" noProof="0" dirty="0" err="1" smtClean="0">
                 <a:latin typeface="+mn-lt"/>
                 <a:ea typeface="+mn-ea"/>
               </a:rPr>
-              <a:t>McKinsey &amp; Company</a:t>
+              <a:t>Sanjusoftware</a:t>
             </a:r>
+            <a:endParaRPr lang="en-US" sz="1000" baseline="0" noProof="0" dirty="0">
+              <a:latin typeface="+mn-lt"/>
+              <a:ea typeface="+mn-ea"/>
+            </a:endParaRPr>
           </a:p>
         </p:txBody>
       </p:sp>
@@ -5597,81 +5461,6 @@
       </p:sp>
       <p:sp>
         <p:nvSpPr>
-          <p:cNvPr id="3081" name="McK Disclaimer"/>
-          <p:cNvSpPr>
-            <a:spLocks noChangeArrowheads="1"/>
-          </p:cNvSpPr>
-          <p:nvPr/>
-        </p:nvSpPr>
-        <p:spPr bwMode="auto">
-          <a:xfrm>
-            <a:off x="2640012" y="5895975"/>
-            <a:ext cx="5120640" cy="244475"/>
-          </a:xfrm>
-          <a:prstGeom prst="rect">
-            <a:avLst/>
-          </a:prstGeom>
-          <a:noFill/>
-          <a:ln>
-            <a:noFill/>
-          </a:ln>
-          <a:effectLst/>
-          <a:extLst>
-            <a:ext uri="{909E8E84-426E-40dd-AFC4-6F175D3DCCD1}">
-              <a14:hiddenFill xmlns:a14="http://schemas.microsoft.com/office/drawing/2010/main">
-                <a:solidFill>
-                  <a:schemeClr val="accent1"/>
-                </a:solidFill>
-              </a14:hiddenFill>
-            </a:ext>
-            <a:ext uri="{91240B29-F687-4f45-9708-019B960494DF}">
-              <a14:hiddenLine xmlns:a14="http://schemas.microsoft.com/office/drawing/2010/main" w="9525">
-                <a:solidFill>
-                  <a:schemeClr val="tx1"/>
-                </a:solidFill>
-                <a:miter lim="800000"/>
-                <a:headEnd/>
-                <a:tailEnd/>
-              </a14:hiddenLine>
-            </a:ext>
-            <a:ext uri="{AF507438-7753-43e0-B8FC-AC1667EBCBE1}">
-              <a14:hiddenEffects xmlns:a14="http://schemas.microsoft.com/office/drawing/2010/main">
-                <a:effectLst>
-                  <a:outerShdw dist="35921" dir="2700000" algn="ctr" rotWithShape="0">
-                    <a:schemeClr val="bg2"/>
-                  </a:outerShdw>
-                </a:effectLst>
-              </a14:hiddenEffects>
-            </a:ext>
-          </a:extLst>
-        </p:spPr>
-        <p:txBody>
-          <a:bodyPr lIns="0" tIns="0" rIns="0" bIns="0" anchor="b">
-            <a:spAutoFit/>
-          </a:bodyPr>
-          <a:lstStyle/>
-          <a:p>
-            <a:pPr defTabSz="804863" eaLnBrk="0" hangingPunct="0"/>
-            <a:r>
-              <a:rPr lang="en-US" sz="800" dirty="0">
-                <a:latin typeface="+mn-lt"/>
-              </a:rPr>
-              <a:t>CONFIDENTIAL AND PROPRIETARY</a:t>
-            </a:r>
-          </a:p>
-          <a:p>
-            <a:pPr defTabSz="804863" eaLnBrk="0" hangingPunct="0"/>
-            <a:r>
-              <a:rPr lang="en-US" sz="800" dirty="0">
-                <a:latin typeface="+mn-lt"/>
-              </a:rPr>
-              <a:t>Any use of this material without specific permission of McKinsey &amp; Company is strictly prohibited</a:t>
-            </a:r>
-          </a:p>
-        </p:txBody>
-      </p:sp>
-      <p:sp>
-        <p:nvSpPr>
           <p:cNvPr id="9" name="Rectangle 37"/>
           <p:cNvSpPr>
             <a:spLocks noChangeArrowheads="1"/>
@@ -5801,7 +5590,7 @@
           <a:graphicData uri="http://schemas.openxmlformats.org/presentationml/2006/ole">
             <mc:AlternateContent xmlns:mc="http://schemas.openxmlformats.org/markup-compatibility/2006">
               <mc:Choice xmlns:v="urn:schemas-microsoft-com:vml" Requires="v">
-                <p:oleObj spid="_x0000_s13362" name="think-cell Slide" r:id="rId5" imgW="270" imgH="270" progId="TCLayout.ActiveDocument.1">
+                <p:oleObj spid="_x0000_s13367" name="think-cell Slide" r:id="rId5" imgW="270" imgH="270" progId="TCLayout.ActiveDocument.1">
                   <p:embed/>
                 </p:oleObj>
               </mc:Choice>
@@ -6179,11 +5968,7 @@
             </a:r>
             <a:r>
               <a:rPr lang="en-US" dirty="0" smtClean="0"/>
-              <a:t> </a:t>
-            </a:r>
-            <a:r>
-              <a:rPr lang="en-US" dirty="0" smtClean="0"/>
-              <a:t>– Slide2</a:t>
+              <a:t> – Slide2</a:t>
             </a:r>
           </a:p>
         </p:txBody>
@@ -6354,7 +6139,7 @@
           <a:graphicData uri="http://schemas.openxmlformats.org/presentationml/2006/ole">
             <mc:AlternateContent xmlns:mc="http://schemas.openxmlformats.org/markup-compatibility/2006">
               <mc:Choice xmlns:v="urn:schemas-microsoft-com:vml" Requires="v">
-                <p:oleObj spid="_x0000_s14379" name="think-cell Slide" r:id="rId12" imgW="500" imgH="417" progId="TCLayout.ActiveDocument.1">
+                <p:oleObj spid="_x0000_s14384" name="think-cell Slide" r:id="rId12" imgW="500" imgH="417" progId="TCLayout.ActiveDocument.1">
                   <p:embed/>
                 </p:oleObj>
               </mc:Choice>
@@ -8232,7 +8017,7 @@
           <a:graphicData uri="http://schemas.openxmlformats.org/presentationml/2006/ole">
             <mc:AlternateContent xmlns:mc="http://schemas.openxmlformats.org/markup-compatibility/2006">
               <mc:Choice xmlns:v="urn:schemas-microsoft-com:vml" Requires="v">
-                <p:oleObj spid="_x0000_s15403" name="think-cell Slide" r:id="rId12" imgW="500" imgH="417" progId="TCLayout.ActiveDocument.1">
+                <p:oleObj spid="_x0000_s15408" name="think-cell Slide" r:id="rId12" imgW="500" imgH="417" progId="TCLayout.ActiveDocument.1">
                   <p:embed/>
                 </p:oleObj>
               </mc:Choice>
@@ -10223,7 +10008,7 @@
           <a:graphicData uri="http://schemas.openxmlformats.org/presentationml/2006/ole">
             <mc:AlternateContent xmlns:mc="http://schemas.openxmlformats.org/markup-compatibility/2006">
               <mc:Choice xmlns:v="urn:schemas-microsoft-com:vml" Requires="v">
-                <p:oleObj spid="_x0000_s16413" name="think-cell Slide" r:id="rId12" imgW="500" imgH="417" progId="TCLayout.ActiveDocument.1">
+                <p:oleObj spid="_x0000_s16418" name="think-cell Slide" r:id="rId12" imgW="500" imgH="417" progId="TCLayout.ActiveDocument.1">
                   <p:embed/>
                 </p:oleObj>
               </mc:Choice>
@@ -12072,61 +11857,61 @@
 
 <file path=ppt/tags/tag10.xml><?xml version="1.0" encoding="utf-8"?>
 <p:tagLst xmlns:a="http://schemas.openxmlformats.org/drawingml/2006/main" xmlns:r="http://schemas.openxmlformats.org/officeDocument/2006/relationships" xmlns:p="http://schemas.openxmlformats.org/presentationml/2006/main">
-  <p:tag name="THINKCELLSHAPEDONOTDELETE" val="tjphu3GdahUiK8o4NssHMFA"/>
+  <p:tag name="THINKCELLSHAPEDONOTDELETE" val="t56uyCYJIhUeTlzI3yOn1cQ"/>
 </p:tagLst>
 </file>
 
 <file path=ppt/tags/tag11.xml><?xml version="1.0" encoding="utf-8"?>
 <p:tagLst xmlns:a="http://schemas.openxmlformats.org/drawingml/2006/main" xmlns:r="http://schemas.openxmlformats.org/officeDocument/2006/relationships" xmlns:p="http://schemas.openxmlformats.org/presentationml/2006/main">
-  <p:tag name="THINKCELLSHAPEDONOTDELETE" val="t56uyCYJIhUeTlzI3yOn1cQ"/>
+  <p:tag name="THINKCELLSHAPEDONOTDELETE" val="tTwAcJ1YeHUeZlhGeOVY2TQ"/>
 </p:tagLst>
 </file>
 
 <file path=ppt/tags/tag12.xml><?xml version="1.0" encoding="utf-8"?>
 <p:tagLst xmlns:a="http://schemas.openxmlformats.org/drawingml/2006/main" xmlns:r="http://schemas.openxmlformats.org/officeDocument/2006/relationships" xmlns:p="http://schemas.openxmlformats.org/presentationml/2006/main">
-  <p:tag name="THINKCELLSHAPEDONOTDELETE" val="tTwAcJ1YeHUeZlhGeOVY2TQ"/>
+  <p:tag name="THINKCELLSHAPEDONOTDELETE" val="tG800NikRP02BXKO4sWHcmg"/>
 </p:tagLst>
 </file>
 
 <file path=ppt/tags/tag13.xml><?xml version="1.0" encoding="utf-8"?>
 <p:tagLst xmlns:a="http://schemas.openxmlformats.org/drawingml/2006/main" xmlns:r="http://schemas.openxmlformats.org/officeDocument/2006/relationships" xmlns:p="http://schemas.openxmlformats.org/presentationml/2006/main">
-  <p:tag name="THINKCELLSHAPEDONOTDELETE" val="tG800NikRP02BXKO4sWHcmg"/>
+  <p:tag name="THINKCELLSHAPEDONOTDELETE" val="tHbG649.Ns0KhnKl2cdtItA"/>
 </p:tagLst>
 </file>
 
 <file path=ppt/tags/tag14.xml><?xml version="1.0" encoding="utf-8"?>
 <p:tagLst xmlns:a="http://schemas.openxmlformats.org/drawingml/2006/main" xmlns:r="http://schemas.openxmlformats.org/officeDocument/2006/relationships" xmlns:p="http://schemas.openxmlformats.org/presentationml/2006/main">
-  <p:tag name="THINKCELLSHAPEDONOTDELETE" val="tHbG649.Ns0KhnKl2cdtItA"/>
+  <p:tag name="THINKCELLSHAPEDONOTDELETE" val="thinkcellActiveDocDoNotDelete"/>
 </p:tagLst>
 </file>
 
 <file path=ppt/tags/tag15.xml><?xml version="1.0" encoding="utf-8"?>
 <p:tagLst xmlns:a="http://schemas.openxmlformats.org/drawingml/2006/main" xmlns:r="http://schemas.openxmlformats.org/officeDocument/2006/relationships" xmlns:p="http://schemas.openxmlformats.org/presentationml/2006/main">
-  <p:tag name="THINKCELLSHAPEDONOTDELETE" val="thinkcellActiveDocDoNotDelete"/>
+  <p:tag name="THINKCELLSHAPEDONOTDELETE" val="tnd8cdr_NxEeuHWjakEM17g"/>
 </p:tagLst>
 </file>
 
 <file path=ppt/tags/tag16.xml><?xml version="1.0" encoding="utf-8"?>
 <p:tagLst xmlns:a="http://schemas.openxmlformats.org/drawingml/2006/main" xmlns:r="http://schemas.openxmlformats.org/officeDocument/2006/relationships" xmlns:p="http://schemas.openxmlformats.org/presentationml/2006/main">
-  <p:tag name="THINKCELLSHAPEDONOTDELETE" val="tnd8cdr_NxEeuHWjakEM17g"/>
+  <p:tag name="THINKCELLSHAPEDONOTDELETE" val="tXuUVYP7iGUWx2FKE9ua42Q"/>
 </p:tagLst>
 </file>
 
 <file path=ppt/tags/tag17.xml><?xml version="1.0" encoding="utf-8"?>
 <p:tagLst xmlns:a="http://schemas.openxmlformats.org/drawingml/2006/main" xmlns:r="http://schemas.openxmlformats.org/officeDocument/2006/relationships" xmlns:p="http://schemas.openxmlformats.org/presentationml/2006/main">
-  <p:tag name="THINKCELLSHAPEDONOTDELETE" val="tXuUVYP7iGUWx2FKE9ua42Q"/>
+  <p:tag name="THINKCELLSHAPEDONOTDELETE" val="tMWEju81c5UilB6qlaufV0w"/>
 </p:tagLst>
 </file>
 
 <file path=ppt/tags/tag18.xml><?xml version="1.0" encoding="utf-8"?>
 <p:tagLst xmlns:a="http://schemas.openxmlformats.org/drawingml/2006/main" xmlns:r="http://schemas.openxmlformats.org/officeDocument/2006/relationships" xmlns:p="http://schemas.openxmlformats.org/presentationml/2006/main">
-  <p:tag name="THINKCELLSHAPEDONOTDELETE" val="tMWEju81c5UilB6qlaufV0w"/>
+  <p:tag name="THINKCELLSHAPEDONOTDELETE" val="t3..BOMVXfU66fDDbPAdTaw"/>
 </p:tagLst>
 </file>
 
 <file path=ppt/tags/tag19.xml><?xml version="1.0" encoding="utf-8"?>
 <p:tagLst xmlns:a="http://schemas.openxmlformats.org/drawingml/2006/main" xmlns:r="http://schemas.openxmlformats.org/officeDocument/2006/relationships" xmlns:p="http://schemas.openxmlformats.org/presentationml/2006/main">
-  <p:tag name="THINKCELLSHAPEDONOTDELETE" val="t3..BOMVXfU66fDDbPAdTaw"/>
+  <p:tag name="THINKCELLSHAPEDONOTDELETE" val="t5CahiuztkEGOkPhgbhQoIg"/>
 </p:tagLst>
 </file>
 
@@ -12138,73 +11923,67 @@
 
 <file path=ppt/tags/tag20.xml><?xml version="1.0" encoding="utf-8"?>
 <p:tagLst xmlns:a="http://schemas.openxmlformats.org/drawingml/2006/main" xmlns:r="http://schemas.openxmlformats.org/officeDocument/2006/relationships" xmlns:p="http://schemas.openxmlformats.org/presentationml/2006/main">
-  <p:tag name="THINKCELLSHAPEDONOTDELETE" val="t5CahiuztkEGOkPhgbhQoIg"/>
+  <p:tag name="THINKCELLSHAPEDONOTDELETE" val="tUKaFu5CtfU27Man_FCpFbg"/>
 </p:tagLst>
 </file>
 
 <file path=ppt/tags/tag21.xml><?xml version="1.0" encoding="utf-8"?>
 <p:tagLst xmlns:a="http://schemas.openxmlformats.org/drawingml/2006/main" xmlns:r="http://schemas.openxmlformats.org/officeDocument/2006/relationships" xmlns:p="http://schemas.openxmlformats.org/presentationml/2006/main">
-  <p:tag name="THINKCELLSHAPEDONOTDELETE" val="tUKaFu5CtfU27Man_FCpFbg"/>
+  <p:tag name="THINKCELLSHAPEDONOTDELETE" val="tWPlnXWe7m0S1P_5F.jjoTA"/>
 </p:tagLst>
 </file>
 
 <file path=ppt/tags/tag22.xml><?xml version="1.0" encoding="utf-8"?>
 <p:tagLst xmlns:a="http://schemas.openxmlformats.org/drawingml/2006/main" xmlns:r="http://schemas.openxmlformats.org/officeDocument/2006/relationships" xmlns:p="http://schemas.openxmlformats.org/presentationml/2006/main">
-  <p:tag name="THINKCELLSHAPEDONOTDELETE" val="tWPlnXWe7m0S1P_5F.jjoTA"/>
+  <p:tag name="THINKCELLSHAPEDONOTDELETE" val="thinkcellActiveDocDoNotDelete"/>
 </p:tagLst>
 </file>
 
 <file path=ppt/tags/tag23.xml><?xml version="1.0" encoding="utf-8"?>
 <p:tagLst xmlns:a="http://schemas.openxmlformats.org/drawingml/2006/main" xmlns:r="http://schemas.openxmlformats.org/officeDocument/2006/relationships" xmlns:p="http://schemas.openxmlformats.org/presentationml/2006/main">
-  <p:tag name="THINKCELLSHAPEDONOTDELETE" val="thinkcellActiveDocDoNotDelete"/>
+  <p:tag name="THINKCELLSHAPEDONOTDELETE" val="tnd8cdr_NxEeuHWjakEM17g"/>
 </p:tagLst>
 </file>
 
 <file path=ppt/tags/tag24.xml><?xml version="1.0" encoding="utf-8"?>
 <p:tagLst xmlns:a="http://schemas.openxmlformats.org/drawingml/2006/main" xmlns:r="http://schemas.openxmlformats.org/officeDocument/2006/relationships" xmlns:p="http://schemas.openxmlformats.org/presentationml/2006/main">
-  <p:tag name="THINKCELLSHAPEDONOTDELETE" val="tnd8cdr_NxEeuHWjakEM17g"/>
+  <p:tag name="THINKCELLSHAPEDONOTDELETE" val="t31gzBndxfEazQ3zOiBFHxA"/>
 </p:tagLst>
 </file>
 
 <file path=ppt/tags/tag25.xml><?xml version="1.0" encoding="utf-8"?>
 <p:tagLst xmlns:a="http://schemas.openxmlformats.org/drawingml/2006/main" xmlns:r="http://schemas.openxmlformats.org/officeDocument/2006/relationships" xmlns:p="http://schemas.openxmlformats.org/presentationml/2006/main">
-  <p:tag name="THINKCELLSHAPEDONOTDELETE" val="t31gzBndxfEazQ3zOiBFHxA"/>
+  <p:tag name="THINKCELLSHAPEDONOTDELETE" val="tawoz43Yae0uZvqLILYR4Sw"/>
 </p:tagLst>
 </file>
 
 <file path=ppt/tags/tag26.xml><?xml version="1.0" encoding="utf-8"?>
 <p:tagLst xmlns:a="http://schemas.openxmlformats.org/drawingml/2006/main" xmlns:r="http://schemas.openxmlformats.org/officeDocument/2006/relationships" xmlns:p="http://schemas.openxmlformats.org/presentationml/2006/main">
-  <p:tag name="THINKCELLSHAPEDONOTDELETE" val="tawoz43Yae0uZvqLILYR4Sw"/>
+  <p:tag name="THINKCELLSHAPEDONOTDELETE" val="tJye6HrX1.0yAR2PrM6eP_Q"/>
 </p:tagLst>
 </file>
 
 <file path=ppt/tags/tag27.xml><?xml version="1.0" encoding="utf-8"?>
 <p:tagLst xmlns:a="http://schemas.openxmlformats.org/drawingml/2006/main" xmlns:r="http://schemas.openxmlformats.org/officeDocument/2006/relationships" xmlns:p="http://schemas.openxmlformats.org/presentationml/2006/main">
-  <p:tag name="THINKCELLSHAPEDONOTDELETE" val="tJye6HrX1.0yAR2PrM6eP_Q"/>
+  <p:tag name="THINKCELLSHAPEDONOTDELETE" val="tujqQnYxxQUirrsYzH.VooA"/>
 </p:tagLst>
 </file>
 
 <file path=ppt/tags/tag28.xml><?xml version="1.0" encoding="utf-8"?>
 <p:tagLst xmlns:a="http://schemas.openxmlformats.org/drawingml/2006/main" xmlns:r="http://schemas.openxmlformats.org/officeDocument/2006/relationships" xmlns:p="http://schemas.openxmlformats.org/presentationml/2006/main">
-  <p:tag name="THINKCELLSHAPEDONOTDELETE" val="tujqQnYxxQUirrsYzH.VooA"/>
+  <p:tag name="THINKCELLSHAPEDONOTDELETE" val="tW23mOLuydU.m3QlOIGZiAQ"/>
 </p:tagLst>
 </file>
 
 <file path=ppt/tags/tag29.xml><?xml version="1.0" encoding="utf-8"?>
 <p:tagLst xmlns:a="http://schemas.openxmlformats.org/drawingml/2006/main" xmlns:r="http://schemas.openxmlformats.org/officeDocument/2006/relationships" xmlns:p="http://schemas.openxmlformats.org/presentationml/2006/main">
-  <p:tag name="THINKCELLSHAPEDONOTDELETE" val="tW23mOLuydU.m3QlOIGZiAQ"/>
+  <p:tag name="THINKCELLSHAPEDONOTDELETE" val="tfxyCicJHZUyXH0QtlWhAgA"/>
 </p:tagLst>
 </file>
 
 <file path=ppt/tags/tag3.xml><?xml version="1.0" encoding="utf-8"?>
 <p:tagLst xmlns:a="http://schemas.openxmlformats.org/drawingml/2006/main" xmlns:r="http://schemas.openxmlformats.org/officeDocument/2006/relationships" xmlns:p="http://schemas.openxmlformats.org/presentationml/2006/main">
   <p:tag name="NAME" val="Logo"/>
-</p:tagLst>
-</file>
-
-<file path=ppt/tags/tag30.xml><?xml version="1.0" encoding="utf-8"?>
-<p:tagLst xmlns:a="http://schemas.openxmlformats.org/drawingml/2006/main" xmlns:r="http://schemas.openxmlformats.org/officeDocument/2006/relationships" xmlns:p="http://schemas.openxmlformats.org/presentationml/2006/main">
-  <p:tag name="THINKCELLSHAPEDONOTDELETE" val="tfxyCicJHZUyXH0QtlWhAgA"/>
 </p:tagLst>
 </file>
 
@@ -12216,7 +11995,7 @@
 
 <file path=ppt/tags/tag5.xml><?xml version="1.0" encoding="utf-8"?>
 <p:tagLst xmlns:a="http://schemas.openxmlformats.org/drawingml/2006/main" xmlns:r="http://schemas.openxmlformats.org/officeDocument/2006/relationships" xmlns:p="http://schemas.openxmlformats.org/presentationml/2006/main">
-  <p:tag name="THINKCELLSHAPEDONOTDELETE" val="p14RTaAjHyEygaBEjBnBUjg"/>
+  <p:tag name="THINKCELLSHAPEDONOTDELETE" val="thinkcellActiveDocDoNotDelete"/>
 </p:tagLst>
 </file>
 
@@ -12228,19 +12007,19 @@
 
 <file path=ppt/tags/tag7.xml><?xml version="1.0" encoding="utf-8"?>
 <p:tagLst xmlns:a="http://schemas.openxmlformats.org/drawingml/2006/main" xmlns:r="http://schemas.openxmlformats.org/officeDocument/2006/relationships" xmlns:p="http://schemas.openxmlformats.org/presentationml/2006/main">
-  <p:tag name="THINKCELLSHAPEDONOTDELETE" val="thinkcellActiveDocDoNotDelete"/>
+  <p:tag name="THINKCELLSHAPEDONOTDELETE" val="tnd8cdr_NxEeuHWjakEM17g"/>
 </p:tagLst>
 </file>
 
 <file path=ppt/tags/tag8.xml><?xml version="1.0" encoding="utf-8"?>
 <p:tagLst xmlns:a="http://schemas.openxmlformats.org/drawingml/2006/main" xmlns:r="http://schemas.openxmlformats.org/officeDocument/2006/relationships" xmlns:p="http://schemas.openxmlformats.org/presentationml/2006/main">
-  <p:tag name="THINKCELLSHAPEDONOTDELETE" val="tnd8cdr_NxEeuHWjakEM17g"/>
+  <p:tag name="THINKCELLSHAPEDONOTDELETE" val="tick6a3bICEKzqrZLS.nD_g"/>
 </p:tagLst>
 </file>
 
 <file path=ppt/tags/tag9.xml><?xml version="1.0" encoding="utf-8"?>
 <p:tagLst xmlns:a="http://schemas.openxmlformats.org/drawingml/2006/main" xmlns:r="http://schemas.openxmlformats.org/officeDocument/2006/relationships" xmlns:p="http://schemas.openxmlformats.org/presentationml/2006/main">
-  <p:tag name="THINKCELLSHAPEDONOTDELETE" val="tick6a3bICEKzqrZLS.nD_g"/>
+  <p:tag name="THINKCELLSHAPEDONOTDELETE" val="tjphu3GdahUiK8o4NssHMFA"/>
 </p:tagLst>
 </file>
 
